--- a/Documentos/Apresentação - Redes Neurais.pptx
+++ b/Documentos/Apresentação - Redes Neurais.pptx
@@ -9,6 +9,15 @@
     <p:sldId id="259" r:id="rId3"/>
     <p:sldId id="257" r:id="rId4"/>
     <p:sldId id="258" r:id="rId5"/>
+    <p:sldId id="260" r:id="rId6"/>
+    <p:sldId id="265" r:id="rId7"/>
+    <p:sldId id="263" r:id="rId8"/>
+    <p:sldId id="264" r:id="rId9"/>
+    <p:sldId id="261" r:id="rId10"/>
+    <p:sldId id="266" r:id="rId11"/>
+    <p:sldId id="267" r:id="rId12"/>
+    <p:sldId id="268" r:id="rId13"/>
+    <p:sldId id="269" r:id="rId14"/>
   </p:sldIdLst>
   <p:sldSz cx="12192000" cy="6858000"/>
   <p:notesSz cx="6858000" cy="9144000"/>
@@ -257,7 +266,7 @@
           <a:p>
             <a:fld id="{370DF856-B8C7-478D-B5DC-984282A3EBA3}" type="datetimeFigureOut">
               <a:rPr lang="pt-BR" smtClean="0"/>
-              <a:t>16/09/2017</a:t>
+              <a:t>18/09/2017</a:t>
             </a:fld>
             <a:endParaRPr lang="pt-BR"/>
           </a:p>
@@ -427,7 +436,7 @@
           <a:p>
             <a:fld id="{370DF856-B8C7-478D-B5DC-984282A3EBA3}" type="datetimeFigureOut">
               <a:rPr lang="pt-BR" smtClean="0"/>
-              <a:t>16/09/2017</a:t>
+              <a:t>18/09/2017</a:t>
             </a:fld>
             <a:endParaRPr lang="pt-BR"/>
           </a:p>
@@ -607,7 +616,7 @@
           <a:p>
             <a:fld id="{370DF856-B8C7-478D-B5DC-984282A3EBA3}" type="datetimeFigureOut">
               <a:rPr lang="pt-BR" smtClean="0"/>
-              <a:t>16/09/2017</a:t>
+              <a:t>18/09/2017</a:t>
             </a:fld>
             <a:endParaRPr lang="pt-BR"/>
           </a:p>
@@ -777,7 +786,7 @@
           <a:p>
             <a:fld id="{370DF856-B8C7-478D-B5DC-984282A3EBA3}" type="datetimeFigureOut">
               <a:rPr lang="pt-BR" smtClean="0"/>
-              <a:t>16/09/2017</a:t>
+              <a:t>18/09/2017</a:t>
             </a:fld>
             <a:endParaRPr lang="pt-BR"/>
           </a:p>
@@ -1023,7 +1032,7 @@
           <a:p>
             <a:fld id="{370DF856-B8C7-478D-B5DC-984282A3EBA3}" type="datetimeFigureOut">
               <a:rPr lang="pt-BR" smtClean="0"/>
-              <a:t>16/09/2017</a:t>
+              <a:t>18/09/2017</a:t>
             </a:fld>
             <a:endParaRPr lang="pt-BR"/>
           </a:p>
@@ -1255,7 +1264,7 @@
           <a:p>
             <a:fld id="{370DF856-B8C7-478D-B5DC-984282A3EBA3}" type="datetimeFigureOut">
               <a:rPr lang="pt-BR" smtClean="0"/>
-              <a:t>16/09/2017</a:t>
+              <a:t>18/09/2017</a:t>
             </a:fld>
             <a:endParaRPr lang="pt-BR"/>
           </a:p>
@@ -1622,7 +1631,7 @@
           <a:p>
             <a:fld id="{370DF856-B8C7-478D-B5DC-984282A3EBA3}" type="datetimeFigureOut">
               <a:rPr lang="pt-BR" smtClean="0"/>
-              <a:t>16/09/2017</a:t>
+              <a:t>18/09/2017</a:t>
             </a:fld>
             <a:endParaRPr lang="pt-BR"/>
           </a:p>
@@ -1740,7 +1749,7 @@
           <a:p>
             <a:fld id="{370DF856-B8C7-478D-B5DC-984282A3EBA3}" type="datetimeFigureOut">
               <a:rPr lang="pt-BR" smtClean="0"/>
-              <a:t>16/09/2017</a:t>
+              <a:t>18/09/2017</a:t>
             </a:fld>
             <a:endParaRPr lang="pt-BR"/>
           </a:p>
@@ -1835,7 +1844,7 @@
           <a:p>
             <a:fld id="{370DF856-B8C7-478D-B5DC-984282A3EBA3}" type="datetimeFigureOut">
               <a:rPr lang="pt-BR" smtClean="0"/>
-              <a:t>16/09/2017</a:t>
+              <a:t>18/09/2017</a:t>
             </a:fld>
             <a:endParaRPr lang="pt-BR"/>
           </a:p>
@@ -2112,7 +2121,7 @@
           <a:p>
             <a:fld id="{370DF856-B8C7-478D-B5DC-984282A3EBA3}" type="datetimeFigureOut">
               <a:rPr lang="pt-BR" smtClean="0"/>
-              <a:t>16/09/2017</a:t>
+              <a:t>18/09/2017</a:t>
             </a:fld>
             <a:endParaRPr lang="pt-BR"/>
           </a:p>
@@ -2365,7 +2374,7 @@
           <a:p>
             <a:fld id="{370DF856-B8C7-478D-B5DC-984282A3EBA3}" type="datetimeFigureOut">
               <a:rPr lang="pt-BR" smtClean="0"/>
-              <a:t>16/09/2017</a:t>
+              <a:t>18/09/2017</a:t>
             </a:fld>
             <a:endParaRPr lang="pt-BR"/>
           </a:p>
@@ -2578,7 +2587,7 @@
           <a:p>
             <a:fld id="{370DF856-B8C7-478D-B5DC-984282A3EBA3}" type="datetimeFigureOut">
               <a:rPr lang="pt-BR" smtClean="0"/>
-              <a:t>16/09/2017</a:t>
+              <a:t>18/09/2017</a:t>
             </a:fld>
             <a:endParaRPr lang="pt-BR"/>
           </a:p>
@@ -3038,6 +3047,332 @@
 </p:sld>
 </file>
 
+<file path=ppt/slides/slide10.xml><?xml version="1.0" encoding="utf-8"?>
+<p:sld xmlns:a="http://schemas.openxmlformats.org/drawingml/2006/main" xmlns:r="http://schemas.openxmlformats.org/officeDocument/2006/relationships" xmlns:p="http://schemas.openxmlformats.org/presentationml/2006/main">
+  <p:cSld>
+    <p:spTree>
+      <p:nvGrpSpPr>
+        <p:cNvPr id="1" name=""/>
+        <p:cNvGrpSpPr/>
+        <p:nvPr/>
+      </p:nvGrpSpPr>
+      <p:grpSpPr>
+        <a:xfrm>
+          <a:off x="0" y="0"/>
+          <a:ext cx="0" cy="0"/>
+          <a:chOff x="0" y="0"/>
+          <a:chExt cx="0" cy="0"/>
+        </a:xfrm>
+      </p:grpSpPr>
+      <p:sp>
+        <p:nvSpPr>
+          <p:cNvPr id="4" name="Título 3"/>
+          <p:cNvSpPr>
+            <a:spLocks noGrp="1"/>
+          </p:cNvSpPr>
+          <p:nvPr>
+            <p:ph type="title"/>
+          </p:nvPr>
+        </p:nvSpPr>
+        <p:spPr/>
+        <p:txBody>
+          <a:bodyPr/>
+          <a:lstStyle/>
+          <a:p>
+            <a:r>
+              <a:rPr lang="pt-BR" dirty="0" smtClean="0"/>
+              <a:t>Proposta</a:t>
+            </a:r>
+            <a:endParaRPr lang="pt-BR" dirty="0"/>
+          </a:p>
+        </p:txBody>
+      </p:sp>
+      <p:sp>
+        <p:nvSpPr>
+          <p:cNvPr id="5" name="Espaço Reservado para Texto 4"/>
+          <p:cNvSpPr>
+            <a:spLocks noGrp="1"/>
+          </p:cNvSpPr>
+          <p:nvPr>
+            <p:ph type="body" idx="1"/>
+          </p:nvPr>
+        </p:nvSpPr>
+        <p:spPr/>
+        <p:txBody>
+          <a:bodyPr/>
+          <a:lstStyle/>
+          <a:p>
+            <a:endParaRPr lang="pt-BR"/>
+          </a:p>
+        </p:txBody>
+      </p:sp>
+    </p:spTree>
+    <p:extLst>
+      <p:ext uri="{BB962C8B-B14F-4D97-AF65-F5344CB8AC3E}">
+        <p14:creationId xmlns:p14="http://schemas.microsoft.com/office/powerpoint/2010/main" val="587788567"/>
+      </p:ext>
+    </p:extLst>
+  </p:cSld>
+  <p:clrMapOvr>
+    <a:masterClrMapping/>
+  </p:clrMapOvr>
+</p:sld>
+</file>
+
+<file path=ppt/slides/slide11.xml><?xml version="1.0" encoding="utf-8"?>
+<p:sld xmlns:a="http://schemas.openxmlformats.org/drawingml/2006/main" xmlns:r="http://schemas.openxmlformats.org/officeDocument/2006/relationships" xmlns:p="http://schemas.openxmlformats.org/presentationml/2006/main">
+  <p:cSld>
+    <p:spTree>
+      <p:nvGrpSpPr>
+        <p:cNvPr id="1" name=""/>
+        <p:cNvGrpSpPr/>
+        <p:nvPr/>
+      </p:nvGrpSpPr>
+      <p:grpSpPr>
+        <a:xfrm>
+          <a:off x="0" y="0"/>
+          <a:ext cx="0" cy="0"/>
+          <a:chOff x="0" y="0"/>
+          <a:chExt cx="0" cy="0"/>
+        </a:xfrm>
+      </p:grpSpPr>
+      <p:sp>
+        <p:nvSpPr>
+          <p:cNvPr id="4" name="Título 3"/>
+          <p:cNvSpPr>
+            <a:spLocks noGrp="1"/>
+          </p:cNvSpPr>
+          <p:nvPr>
+            <p:ph type="title"/>
+          </p:nvPr>
+        </p:nvSpPr>
+        <p:spPr/>
+        <p:txBody>
+          <a:bodyPr/>
+          <a:lstStyle/>
+          <a:p>
+            <a:endParaRPr lang="pt-BR"/>
+          </a:p>
+        </p:txBody>
+      </p:sp>
+      <p:sp>
+        <p:nvSpPr>
+          <p:cNvPr id="5" name="Espaço Reservado para Conteúdo 4"/>
+          <p:cNvSpPr>
+            <a:spLocks noGrp="1"/>
+          </p:cNvSpPr>
+          <p:nvPr>
+            <p:ph idx="1"/>
+          </p:nvPr>
+        </p:nvSpPr>
+        <p:spPr/>
+        <p:txBody>
+          <a:bodyPr/>
+          <a:lstStyle/>
+          <a:p>
+            <a:pPr marL="0" indent="0" algn="just">
+              <a:buNone/>
+            </a:pPr>
+            <a:r>
+              <a:rPr lang="pt-BR" dirty="0" smtClean="0"/>
+              <a:t>Um sistema </a:t>
+            </a:r>
+            <a:r>
+              <a:rPr lang="pt-BR" dirty="0" smtClean="0"/>
+              <a:t>para d</a:t>
+            </a:r>
+            <a:r>
+              <a:rPr lang="pt-BR" dirty="0" smtClean="0"/>
+              <a:t>iminuir o número de biopsia realizadas desnecessariamente e auxiliar ao médico na sua tomada de decisão sobre a realização de uma biopsia ou um tratamento com acompanhamento.</a:t>
+            </a:r>
+            <a:endParaRPr lang="pt-BR" dirty="0"/>
+          </a:p>
+        </p:txBody>
+      </p:sp>
+    </p:spTree>
+    <p:extLst>
+      <p:ext uri="{BB962C8B-B14F-4D97-AF65-F5344CB8AC3E}">
+        <p14:creationId xmlns:p14="http://schemas.microsoft.com/office/powerpoint/2010/main" val="1405636904"/>
+      </p:ext>
+    </p:extLst>
+  </p:cSld>
+  <p:clrMapOvr>
+    <a:masterClrMapping/>
+  </p:clrMapOvr>
+</p:sld>
+</file>
+
+<file path=ppt/slides/slide12.xml><?xml version="1.0" encoding="utf-8"?>
+<p:sld xmlns:a="http://schemas.openxmlformats.org/drawingml/2006/main" xmlns:r="http://schemas.openxmlformats.org/officeDocument/2006/relationships" xmlns:p="http://schemas.openxmlformats.org/presentationml/2006/main">
+  <p:cSld>
+    <p:spTree>
+      <p:nvGrpSpPr>
+        <p:cNvPr id="1" name=""/>
+        <p:cNvGrpSpPr/>
+        <p:nvPr/>
+      </p:nvGrpSpPr>
+      <p:grpSpPr>
+        <a:xfrm>
+          <a:off x="0" y="0"/>
+          <a:ext cx="0" cy="0"/>
+          <a:chOff x="0" y="0"/>
+          <a:chExt cx="0" cy="0"/>
+        </a:xfrm>
+      </p:grpSpPr>
+      <p:sp>
+        <p:nvSpPr>
+          <p:cNvPr id="4" name="Título 3"/>
+          <p:cNvSpPr>
+            <a:spLocks noGrp="1"/>
+          </p:cNvSpPr>
+          <p:nvPr>
+            <p:ph type="title"/>
+          </p:nvPr>
+        </p:nvSpPr>
+        <p:spPr/>
+        <p:txBody>
+          <a:bodyPr/>
+          <a:lstStyle/>
+          <a:p>
+            <a:r>
+              <a:rPr lang="pt-BR" dirty="0" smtClean="0"/>
+              <a:t>MLP - </a:t>
+            </a:r>
+            <a:r>
+              <a:rPr lang="pt-BR" i="1" dirty="0" err="1"/>
+              <a:t>Multi</a:t>
+            </a:r>
+            <a:r>
+              <a:rPr lang="pt-BR" i="1" dirty="0"/>
+              <a:t> </a:t>
+            </a:r>
+            <a:r>
+              <a:rPr lang="pt-BR" i="1" dirty="0" err="1"/>
+              <a:t>Layer</a:t>
+            </a:r>
+            <a:r>
+              <a:rPr lang="pt-BR" i="1" dirty="0"/>
+              <a:t> </a:t>
+            </a:r>
+            <a:r>
+              <a:rPr lang="pt-BR" i="1" dirty="0" err="1"/>
+              <a:t>Perceptron</a:t>
+            </a:r>
+            <a:endParaRPr lang="pt-BR" dirty="0"/>
+          </a:p>
+        </p:txBody>
+      </p:sp>
+      <p:sp>
+        <p:nvSpPr>
+          <p:cNvPr id="5" name="Espaço Reservado para Texto 4"/>
+          <p:cNvSpPr>
+            <a:spLocks noGrp="1"/>
+          </p:cNvSpPr>
+          <p:nvPr>
+            <p:ph type="body" idx="1"/>
+          </p:nvPr>
+        </p:nvSpPr>
+        <p:spPr/>
+        <p:txBody>
+          <a:bodyPr/>
+          <a:lstStyle/>
+          <a:p>
+            <a:endParaRPr lang="pt-BR"/>
+          </a:p>
+        </p:txBody>
+      </p:sp>
+    </p:spTree>
+    <p:extLst>
+      <p:ext uri="{BB962C8B-B14F-4D97-AF65-F5344CB8AC3E}">
+        <p14:creationId xmlns:p14="http://schemas.microsoft.com/office/powerpoint/2010/main" val="1549512519"/>
+      </p:ext>
+    </p:extLst>
+  </p:cSld>
+  <p:clrMapOvr>
+    <a:masterClrMapping/>
+  </p:clrMapOvr>
+</p:sld>
+</file>
+
+<file path=ppt/slides/slide13.xml><?xml version="1.0" encoding="utf-8"?>
+<p:sld xmlns:a="http://schemas.openxmlformats.org/drawingml/2006/main" xmlns:r="http://schemas.openxmlformats.org/officeDocument/2006/relationships" xmlns:p="http://schemas.openxmlformats.org/presentationml/2006/main">
+  <p:cSld>
+    <p:spTree>
+      <p:nvGrpSpPr>
+        <p:cNvPr id="1" name=""/>
+        <p:cNvGrpSpPr/>
+        <p:nvPr/>
+      </p:nvGrpSpPr>
+      <p:grpSpPr>
+        <a:xfrm>
+          <a:off x="0" y="0"/>
+          <a:ext cx="0" cy="0"/>
+          <a:chOff x="0" y="0"/>
+          <a:chExt cx="0" cy="0"/>
+        </a:xfrm>
+      </p:grpSpPr>
+      <p:sp>
+        <p:nvSpPr>
+          <p:cNvPr id="4" name="Título 3"/>
+          <p:cNvSpPr>
+            <a:spLocks noGrp="1"/>
+          </p:cNvSpPr>
+          <p:nvPr>
+            <p:ph type="title"/>
+          </p:nvPr>
+        </p:nvSpPr>
+        <p:spPr/>
+        <p:txBody>
+          <a:bodyPr/>
+          <a:lstStyle/>
+          <a:p>
+            <a:r>
+              <a:rPr lang="pt-BR" dirty="0" smtClean="0"/>
+              <a:t>MLP</a:t>
+            </a:r>
+            <a:endParaRPr lang="pt-BR" dirty="0"/>
+          </a:p>
+        </p:txBody>
+      </p:sp>
+      <p:sp>
+        <p:nvSpPr>
+          <p:cNvPr id="5" name="Espaço Reservado para Conteúdo 4"/>
+          <p:cNvSpPr>
+            <a:spLocks noGrp="1"/>
+          </p:cNvSpPr>
+          <p:nvPr>
+            <p:ph idx="1"/>
+          </p:nvPr>
+        </p:nvSpPr>
+        <p:spPr/>
+        <p:txBody>
+          <a:bodyPr/>
+          <a:lstStyle/>
+          <a:p>
+            <a:pPr marL="0" indent="0" algn="just">
+              <a:buNone/>
+            </a:pPr>
+            <a:r>
+              <a:rPr lang="pt-BR" dirty="0" smtClean="0"/>
+              <a:t>É um tipo de rede neural artificial onde sua arquitetura é organizada em camadas, onde, pode haver mais de uma camada intermediária.</a:t>
+            </a:r>
+            <a:endParaRPr lang="pt-BR" dirty="0"/>
+          </a:p>
+        </p:txBody>
+      </p:sp>
+    </p:spTree>
+    <p:extLst>
+      <p:ext uri="{BB962C8B-B14F-4D97-AF65-F5344CB8AC3E}">
+        <p14:creationId xmlns:p14="http://schemas.microsoft.com/office/powerpoint/2010/main" val="1829334844"/>
+      </p:ext>
+    </p:extLst>
+  </p:cSld>
+  <p:clrMapOvr>
+    <a:masterClrMapping/>
+  </p:clrMapOvr>
+</p:sld>
+</file>
+
 <file path=ppt/slides/slide2.xml><?xml version="1.0" encoding="utf-8"?>
 <p:sld xmlns:a="http://schemas.openxmlformats.org/drawingml/2006/main" xmlns:r="http://schemas.openxmlformats.org/officeDocument/2006/relationships" xmlns:p="http://schemas.openxmlformats.org/presentationml/2006/main">
   <p:cSld>
@@ -3519,6 +3854,399 @@
     <p:extLst>
       <p:ext uri="{BB962C8B-B14F-4D97-AF65-F5344CB8AC3E}">
         <p14:creationId xmlns:p14="http://schemas.microsoft.com/office/powerpoint/2010/main" val="2278443416"/>
+      </p:ext>
+    </p:extLst>
+  </p:cSld>
+  <p:clrMapOvr>
+    <a:masterClrMapping/>
+  </p:clrMapOvr>
+</p:sld>
+</file>
+
+<file path=ppt/slides/slide5.xml><?xml version="1.0" encoding="utf-8"?>
+<p:sld xmlns:a="http://schemas.openxmlformats.org/drawingml/2006/main" xmlns:r="http://schemas.openxmlformats.org/officeDocument/2006/relationships" xmlns:p="http://schemas.openxmlformats.org/presentationml/2006/main">
+  <p:cSld>
+    <p:spTree>
+      <p:nvGrpSpPr>
+        <p:cNvPr id="1" name=""/>
+        <p:cNvGrpSpPr/>
+        <p:nvPr/>
+      </p:nvGrpSpPr>
+      <p:grpSpPr>
+        <a:xfrm>
+          <a:off x="0" y="0"/>
+          <a:ext cx="0" cy="0"/>
+          <a:chOff x="0" y="0"/>
+          <a:chExt cx="0" cy="0"/>
+        </a:xfrm>
+      </p:grpSpPr>
+      <p:sp>
+        <p:nvSpPr>
+          <p:cNvPr id="4" name="Título 3"/>
+          <p:cNvSpPr>
+            <a:spLocks noGrp="1"/>
+          </p:cNvSpPr>
+          <p:nvPr>
+            <p:ph type="title"/>
+          </p:nvPr>
+        </p:nvSpPr>
+        <p:spPr/>
+        <p:txBody>
+          <a:bodyPr/>
+          <a:lstStyle/>
+          <a:p>
+            <a:r>
+              <a:rPr lang="pt-BR" dirty="0" smtClean="0"/>
+              <a:t>Problemática</a:t>
+            </a:r>
+            <a:endParaRPr lang="pt-BR" dirty="0"/>
+          </a:p>
+        </p:txBody>
+      </p:sp>
+      <p:sp>
+        <p:nvSpPr>
+          <p:cNvPr id="5" name="Espaço Reservado para Texto 4"/>
+          <p:cNvSpPr>
+            <a:spLocks noGrp="1"/>
+          </p:cNvSpPr>
+          <p:nvPr>
+            <p:ph type="body" idx="1"/>
+          </p:nvPr>
+        </p:nvSpPr>
+        <p:spPr/>
+        <p:txBody>
+          <a:bodyPr/>
+          <a:lstStyle/>
+          <a:p>
+            <a:endParaRPr lang="pt-BR"/>
+          </a:p>
+        </p:txBody>
+      </p:sp>
+    </p:spTree>
+    <p:extLst>
+      <p:ext uri="{BB962C8B-B14F-4D97-AF65-F5344CB8AC3E}">
+        <p14:creationId xmlns:p14="http://schemas.microsoft.com/office/powerpoint/2010/main" val="1181885679"/>
+      </p:ext>
+    </p:extLst>
+  </p:cSld>
+  <p:clrMapOvr>
+    <a:masterClrMapping/>
+  </p:clrMapOvr>
+</p:sld>
+</file>
+
+<file path=ppt/slides/slide6.xml><?xml version="1.0" encoding="utf-8"?>
+<p:sld xmlns:a="http://schemas.openxmlformats.org/drawingml/2006/main" xmlns:r="http://schemas.openxmlformats.org/officeDocument/2006/relationships" xmlns:p="http://schemas.openxmlformats.org/presentationml/2006/main">
+  <p:cSld>
+    <p:spTree>
+      <p:nvGrpSpPr>
+        <p:cNvPr id="1" name=""/>
+        <p:cNvGrpSpPr/>
+        <p:nvPr/>
+      </p:nvGrpSpPr>
+      <p:grpSpPr>
+        <a:xfrm>
+          <a:off x="0" y="0"/>
+          <a:ext cx="0" cy="0"/>
+          <a:chOff x="0" y="0"/>
+          <a:chExt cx="0" cy="0"/>
+        </a:xfrm>
+      </p:grpSpPr>
+      <p:sp>
+        <p:nvSpPr>
+          <p:cNvPr id="4" name="Título 3"/>
+          <p:cNvSpPr>
+            <a:spLocks noGrp="1"/>
+          </p:cNvSpPr>
+          <p:nvPr>
+            <p:ph type="title"/>
+          </p:nvPr>
+        </p:nvSpPr>
+        <p:spPr/>
+        <p:txBody>
+          <a:bodyPr/>
+          <a:lstStyle/>
+          <a:p>
+            <a:endParaRPr lang="pt-BR"/>
+          </a:p>
+        </p:txBody>
+      </p:sp>
+      <p:sp>
+        <p:nvSpPr>
+          <p:cNvPr id="5" name="Espaço Reservado para Conteúdo 4"/>
+          <p:cNvSpPr>
+            <a:spLocks noGrp="1"/>
+          </p:cNvSpPr>
+          <p:nvPr>
+            <p:ph idx="1"/>
+          </p:nvPr>
+        </p:nvSpPr>
+        <p:spPr/>
+        <p:txBody>
+          <a:bodyPr/>
+          <a:lstStyle/>
+          <a:p>
+            <a:pPr algn="just"/>
+            <a:r>
+              <a:rPr lang="pt-BR" dirty="0" smtClean="0"/>
+              <a:t>O câncer de mama é o segundo tipo de câncer mais comum em todo o mundo e no Brasil.</a:t>
+            </a:r>
+          </a:p>
+          <a:p>
+            <a:pPr algn="just"/>
+            <a:r>
+              <a:rPr lang="pt-BR" dirty="0" smtClean="0"/>
+              <a:t>Ele é a maior causa de mortes por câncer nas mulheres em todo o mundo.</a:t>
+            </a:r>
+          </a:p>
+          <a:p>
+            <a:pPr marL="0" indent="0" algn="just">
+              <a:buNone/>
+            </a:pPr>
+            <a:endParaRPr lang="pt-BR" dirty="0"/>
+          </a:p>
+        </p:txBody>
+      </p:sp>
+    </p:spTree>
+    <p:extLst>
+      <p:ext uri="{BB962C8B-B14F-4D97-AF65-F5344CB8AC3E}">
+        <p14:creationId xmlns:p14="http://schemas.microsoft.com/office/powerpoint/2010/main" val="2061030028"/>
+      </p:ext>
+    </p:extLst>
+  </p:cSld>
+  <p:clrMapOvr>
+    <a:masterClrMapping/>
+  </p:clrMapOvr>
+</p:sld>
+</file>
+
+<file path=ppt/slides/slide7.xml><?xml version="1.0" encoding="utf-8"?>
+<p:sld xmlns:a="http://schemas.openxmlformats.org/drawingml/2006/main" xmlns:r="http://schemas.openxmlformats.org/officeDocument/2006/relationships" xmlns:p="http://schemas.openxmlformats.org/presentationml/2006/main">
+  <p:cSld>
+    <p:spTree>
+      <p:nvGrpSpPr>
+        <p:cNvPr id="1" name=""/>
+        <p:cNvGrpSpPr/>
+        <p:nvPr/>
+      </p:nvGrpSpPr>
+      <p:grpSpPr>
+        <a:xfrm>
+          <a:off x="0" y="0"/>
+          <a:ext cx="0" cy="0"/>
+          <a:chOff x="0" y="0"/>
+          <a:chExt cx="0" cy="0"/>
+        </a:xfrm>
+      </p:grpSpPr>
+      <p:sp>
+        <p:nvSpPr>
+          <p:cNvPr id="4" name="Título 3"/>
+          <p:cNvSpPr>
+            <a:spLocks noGrp="1"/>
+          </p:cNvSpPr>
+          <p:nvPr>
+            <p:ph type="title"/>
+          </p:nvPr>
+        </p:nvSpPr>
+        <p:spPr/>
+        <p:txBody>
+          <a:bodyPr/>
+          <a:lstStyle/>
+          <a:p>
+            <a:r>
+              <a:rPr lang="pt-BR" dirty="0" smtClean="0"/>
+              <a:t>Câncer de mama em homens?</a:t>
+            </a:r>
+            <a:endParaRPr lang="pt-BR" dirty="0"/>
+          </a:p>
+        </p:txBody>
+      </p:sp>
+      <p:sp>
+        <p:nvSpPr>
+          <p:cNvPr id="5" name="Espaço Reservado para Texto 4"/>
+          <p:cNvSpPr>
+            <a:spLocks noGrp="1"/>
+          </p:cNvSpPr>
+          <p:nvPr>
+            <p:ph type="body" idx="1"/>
+          </p:nvPr>
+        </p:nvSpPr>
+        <p:spPr/>
+        <p:txBody>
+          <a:bodyPr/>
+          <a:lstStyle/>
+          <a:p>
+            <a:endParaRPr lang="pt-BR"/>
+          </a:p>
+        </p:txBody>
+      </p:sp>
+    </p:spTree>
+    <p:extLst>
+      <p:ext uri="{BB962C8B-B14F-4D97-AF65-F5344CB8AC3E}">
+        <p14:creationId xmlns:p14="http://schemas.microsoft.com/office/powerpoint/2010/main" val="4007367737"/>
+      </p:ext>
+    </p:extLst>
+  </p:cSld>
+  <p:clrMapOvr>
+    <a:masterClrMapping/>
+  </p:clrMapOvr>
+</p:sld>
+</file>
+
+<file path=ppt/slides/slide8.xml><?xml version="1.0" encoding="utf-8"?>
+<p:sld xmlns:a="http://schemas.openxmlformats.org/drawingml/2006/main" xmlns:r="http://schemas.openxmlformats.org/officeDocument/2006/relationships" xmlns:p="http://schemas.openxmlformats.org/presentationml/2006/main">
+  <p:cSld>
+    <p:spTree>
+      <p:nvGrpSpPr>
+        <p:cNvPr id="1" name=""/>
+        <p:cNvGrpSpPr/>
+        <p:nvPr/>
+      </p:nvGrpSpPr>
+      <p:grpSpPr>
+        <a:xfrm>
+          <a:off x="0" y="0"/>
+          <a:ext cx="0" cy="0"/>
+          <a:chOff x="0" y="0"/>
+          <a:chExt cx="0" cy="0"/>
+        </a:xfrm>
+      </p:grpSpPr>
+      <p:sp>
+        <p:nvSpPr>
+          <p:cNvPr id="4" name="Título 3"/>
+          <p:cNvSpPr>
+            <a:spLocks noGrp="1"/>
+          </p:cNvSpPr>
+          <p:nvPr>
+            <p:ph type="title"/>
+          </p:nvPr>
+        </p:nvSpPr>
+        <p:spPr/>
+        <p:txBody>
+          <a:bodyPr/>
+          <a:lstStyle/>
+          <a:p>
+            <a:r>
+              <a:rPr lang="pt-BR" dirty="0" smtClean="0"/>
+              <a:t>Detecção da doença</a:t>
+            </a:r>
+            <a:endParaRPr lang="pt-BR" dirty="0"/>
+          </a:p>
+        </p:txBody>
+      </p:sp>
+      <p:sp>
+        <p:nvSpPr>
+          <p:cNvPr id="5" name="Espaço Reservado para Texto 4"/>
+          <p:cNvSpPr>
+            <a:spLocks noGrp="1"/>
+          </p:cNvSpPr>
+          <p:nvPr>
+            <p:ph type="body" idx="1"/>
+          </p:nvPr>
+        </p:nvSpPr>
+        <p:spPr/>
+        <p:txBody>
+          <a:bodyPr/>
+          <a:lstStyle/>
+          <a:p>
+            <a:endParaRPr lang="pt-BR"/>
+          </a:p>
+        </p:txBody>
+      </p:sp>
+    </p:spTree>
+    <p:extLst>
+      <p:ext uri="{BB962C8B-B14F-4D97-AF65-F5344CB8AC3E}">
+        <p14:creationId xmlns:p14="http://schemas.microsoft.com/office/powerpoint/2010/main" val="4056101319"/>
+      </p:ext>
+    </p:extLst>
+  </p:cSld>
+  <p:clrMapOvr>
+    <a:masterClrMapping/>
+  </p:clrMapOvr>
+</p:sld>
+</file>
+
+<file path=ppt/slides/slide9.xml><?xml version="1.0" encoding="utf-8"?>
+<p:sld xmlns:a="http://schemas.openxmlformats.org/drawingml/2006/main" xmlns:r="http://schemas.openxmlformats.org/officeDocument/2006/relationships" xmlns:p="http://schemas.openxmlformats.org/presentationml/2006/main">
+  <p:cSld>
+    <p:spTree>
+      <p:nvGrpSpPr>
+        <p:cNvPr id="1" name=""/>
+        <p:cNvGrpSpPr/>
+        <p:nvPr/>
+      </p:nvGrpSpPr>
+      <p:grpSpPr>
+        <a:xfrm>
+          <a:off x="0" y="0"/>
+          <a:ext cx="0" cy="0"/>
+          <a:chOff x="0" y="0"/>
+          <a:chExt cx="0" cy="0"/>
+        </a:xfrm>
+      </p:grpSpPr>
+      <p:sp>
+        <p:nvSpPr>
+          <p:cNvPr id="4" name="Título 3"/>
+          <p:cNvSpPr>
+            <a:spLocks noGrp="1"/>
+          </p:cNvSpPr>
+          <p:nvPr>
+            <p:ph type="title"/>
+          </p:nvPr>
+        </p:nvSpPr>
+        <p:spPr/>
+        <p:txBody>
+          <a:bodyPr/>
+          <a:lstStyle/>
+          <a:p>
+            <a:endParaRPr lang="pt-BR"/>
+          </a:p>
+        </p:txBody>
+      </p:sp>
+      <p:sp>
+        <p:nvSpPr>
+          <p:cNvPr id="5" name="Espaço Reservado para Conteúdo 4"/>
+          <p:cNvSpPr>
+            <a:spLocks noGrp="1"/>
+          </p:cNvSpPr>
+          <p:nvPr>
+            <p:ph idx="1"/>
+          </p:nvPr>
+        </p:nvSpPr>
+        <p:spPr/>
+        <p:txBody>
+          <a:bodyPr/>
+          <a:lstStyle/>
+          <a:p>
+            <a:pPr algn="just"/>
+            <a:r>
+              <a:rPr lang="pt-BR" dirty="0" smtClean="0"/>
+              <a:t>Normalmente, a detecção da doença é feita pela mamografia, que permite detectar lesões ainda muito pequenas.</a:t>
+            </a:r>
+          </a:p>
+          <a:p>
+            <a:pPr algn="just"/>
+            <a:r>
+              <a:rPr lang="pt-BR" dirty="0" smtClean="0"/>
+              <a:t>A confirmação do diagnóstico necessita de uma biopsia. </a:t>
+            </a:r>
+          </a:p>
+          <a:p>
+            <a:pPr algn="just"/>
+            <a:r>
+              <a:rPr lang="pt-BR" dirty="0" smtClean="0"/>
+              <a:t>Porém, em 70% dos caso, essa biopsia se faz desnecessária.</a:t>
+            </a:r>
+          </a:p>
+          <a:p>
+            <a:pPr marL="0" indent="0" algn="just">
+              <a:buNone/>
+            </a:pPr>
+            <a:endParaRPr lang="pt-BR" dirty="0"/>
+          </a:p>
+        </p:txBody>
+      </p:sp>
+    </p:spTree>
+    <p:extLst>
+      <p:ext uri="{BB962C8B-B14F-4D97-AF65-F5344CB8AC3E}">
+        <p14:creationId xmlns:p14="http://schemas.microsoft.com/office/powerpoint/2010/main" val="2885388186"/>
       </p:ext>
     </p:extLst>
   </p:cSld>
